--- a/CitiBike Analysis.pptx
+++ b/CitiBike Analysis.pptx
@@ -1,12 +1,17 @@
 
 <file path=ppt/presentation.xml><?xml version="1.0" encoding="utf-8"?>
-<p:presentation xmlns:a="http://schemas.openxmlformats.org/drawingml/2006/main" xmlns:p="http://schemas.openxmlformats.org/presentationml/2006/main" xmlns:r="http://schemas.openxmlformats.org/officeDocument/2006/relationships" saveSubsetFonts="1">
+<p:presentation xmlns:a="http://schemas.openxmlformats.org/drawingml/2006/main" xmlns:r="http://schemas.openxmlformats.org/officeDocument/2006/relationships" xmlns:p="http://schemas.openxmlformats.org/presentationml/2006/main" saveSubsetFonts="1">
   <p:sldMasterIdLst>
     <p:sldMasterId id="2147483648" r:id="rId1"/>
   </p:sldMasterIdLst>
   <p:sldIdLst>
-    <p:sldId id="256" r:id="rId6"/>
-    <p:sldId id="257" r:id="rId7"/>
+    <p:sldId id="256" r:id="rId2"/>
+    <p:sldId id="258" r:id="rId3"/>
+    <p:sldId id="257" r:id="rId4"/>
+    <p:sldId id="259" r:id="rId5"/>
+    <p:sldId id="263" r:id="rId6"/>
+    <p:sldId id="261" r:id="rId7"/>
+    <p:sldId id="262" r:id="rId8"/>
   </p:sldIdLst>
   <p:sldSz cx="12192000" cy="6858000"/>
   <p:notesSz cx="6858000" cy="9144000"/>
@@ -14,8 +19,8 @@
     <a:defPPr>
       <a:defRPr lang="en-US"/>
     </a:defPPr>
-    <a:lvl1pPr algn="l" defTabSz="914400" eaLnBrk="1" hangingPunct="1" latinLnBrk="0" marL="0" rtl="0">
-      <a:defRPr kern="1200" sz="1800">
+    <a:lvl1pPr marL="0" algn="l" defTabSz="914400" rtl="0" eaLnBrk="1" latinLnBrk="0" hangingPunct="1">
+      <a:defRPr sz="1800" kern="1200">
         <a:solidFill>
           <a:schemeClr val="tx1"/>
         </a:solidFill>
@@ -24,8 +29,8 @@
         <a:cs typeface="+mn-cs"/>
       </a:defRPr>
     </a:lvl1pPr>
-    <a:lvl2pPr algn="l" defTabSz="914400" eaLnBrk="1" hangingPunct="1" latinLnBrk="0" marL="457200" rtl="0">
-      <a:defRPr kern="1200" sz="1800">
+    <a:lvl2pPr marL="457200" algn="l" defTabSz="914400" rtl="0" eaLnBrk="1" latinLnBrk="0" hangingPunct="1">
+      <a:defRPr sz="1800" kern="1200">
         <a:solidFill>
           <a:schemeClr val="tx1"/>
         </a:solidFill>
@@ -34,8 +39,8 @@
         <a:cs typeface="+mn-cs"/>
       </a:defRPr>
     </a:lvl2pPr>
-    <a:lvl3pPr algn="l" defTabSz="914400" eaLnBrk="1" hangingPunct="1" latinLnBrk="0" marL="914400" rtl="0">
-      <a:defRPr kern="1200" sz="1800">
+    <a:lvl3pPr marL="914400" algn="l" defTabSz="914400" rtl="0" eaLnBrk="1" latinLnBrk="0" hangingPunct="1">
+      <a:defRPr sz="1800" kern="1200">
         <a:solidFill>
           <a:schemeClr val="tx1"/>
         </a:solidFill>
@@ -44,8 +49,8 @@
         <a:cs typeface="+mn-cs"/>
       </a:defRPr>
     </a:lvl3pPr>
-    <a:lvl4pPr algn="l" defTabSz="914400" eaLnBrk="1" hangingPunct="1" latinLnBrk="0" marL="1371600" rtl="0">
-      <a:defRPr kern="1200" sz="1800">
+    <a:lvl4pPr marL="1371600" algn="l" defTabSz="914400" rtl="0" eaLnBrk="1" latinLnBrk="0" hangingPunct="1">
+      <a:defRPr sz="1800" kern="1200">
         <a:solidFill>
           <a:schemeClr val="tx1"/>
         </a:solidFill>
@@ -54,8 +59,8 @@
         <a:cs typeface="+mn-cs"/>
       </a:defRPr>
     </a:lvl4pPr>
-    <a:lvl5pPr algn="l" defTabSz="914400" eaLnBrk="1" hangingPunct="1" latinLnBrk="0" marL="1828800" rtl="0">
-      <a:defRPr kern="1200" sz="1800">
+    <a:lvl5pPr marL="1828800" algn="l" defTabSz="914400" rtl="0" eaLnBrk="1" latinLnBrk="0" hangingPunct="1">
+      <a:defRPr sz="1800" kern="1200">
         <a:solidFill>
           <a:schemeClr val="tx1"/>
         </a:solidFill>
@@ -64,8 +69,8 @@
         <a:cs typeface="+mn-cs"/>
       </a:defRPr>
     </a:lvl5pPr>
-    <a:lvl6pPr algn="l" defTabSz="914400" eaLnBrk="1" hangingPunct="1" latinLnBrk="0" marL="2286000" rtl="0">
-      <a:defRPr kern="1200" sz="1800">
+    <a:lvl6pPr marL="2286000" algn="l" defTabSz="914400" rtl="0" eaLnBrk="1" latinLnBrk="0" hangingPunct="1">
+      <a:defRPr sz="1800" kern="1200">
         <a:solidFill>
           <a:schemeClr val="tx1"/>
         </a:solidFill>
@@ -74,8 +79,8 @@
         <a:cs typeface="+mn-cs"/>
       </a:defRPr>
     </a:lvl6pPr>
-    <a:lvl7pPr algn="l" defTabSz="914400" eaLnBrk="1" hangingPunct="1" latinLnBrk="0" marL="2743200" rtl="0">
-      <a:defRPr kern="1200" sz="1800">
+    <a:lvl7pPr marL="2743200" algn="l" defTabSz="914400" rtl="0" eaLnBrk="1" latinLnBrk="0" hangingPunct="1">
+      <a:defRPr sz="1800" kern="1200">
         <a:solidFill>
           <a:schemeClr val="tx1"/>
         </a:solidFill>
@@ -84,8 +89,8 @@
         <a:cs typeface="+mn-cs"/>
       </a:defRPr>
     </a:lvl7pPr>
-    <a:lvl8pPr algn="l" defTabSz="914400" eaLnBrk="1" hangingPunct="1" latinLnBrk="0" marL="3200400" rtl="0">
-      <a:defRPr kern="1200" sz="1800">
+    <a:lvl8pPr marL="3200400" algn="l" defTabSz="914400" rtl="0" eaLnBrk="1" latinLnBrk="0" hangingPunct="1">
+      <a:defRPr sz="1800" kern="1200">
         <a:solidFill>
           <a:schemeClr val="tx1"/>
         </a:solidFill>
@@ -94,8 +99,8 @@
         <a:cs typeface="+mn-cs"/>
       </a:defRPr>
     </a:lvl8pPr>
-    <a:lvl9pPr algn="l" defTabSz="914400" eaLnBrk="1" hangingPunct="1" latinLnBrk="0" marL="3657600" rtl="0">
-      <a:defRPr kern="1200" sz="1800">
+    <a:lvl9pPr marL="3657600" algn="l" defTabSz="914400" rtl="0" eaLnBrk="1" latinLnBrk="0" hangingPunct="1">
+      <a:defRPr sz="1800" kern="1200">
         <a:solidFill>
           <a:schemeClr val="tx1"/>
         </a:solidFill>
@@ -105,6 +110,11 @@
       </a:defRPr>
     </a:lvl9pPr>
   </p:defaultTextStyle>
+  <p:extLst>
+    <p:ext uri="{EFAFB233-063F-42B5-8137-9DF3F51BA10A}">
+      <p15:sldGuideLst xmlns:p15="http://schemas.microsoft.com/office/powerpoint/2012/main"/>
+    </p:ext>
+  </p:extLst>
 </p:presentation>
 </file>
 
@@ -255,7 +265,7 @@
           <a:p>
             <a:fld id="{EED1C14C-A143-42F5-B247-D0E800131009}" type="datetimeFigureOut">
               <a:rPr lang="en-US" smtClean="0"/>
-              <a:t>8/15/2018</a:t>
+              <a:t>4/28/2019</a:t>
             </a:fld>
             <a:endParaRPr lang="en-US"/>
           </a:p>
@@ -453,7 +463,7 @@
           <a:p>
             <a:fld id="{EED1C14C-A143-42F5-B247-D0E800131009}" type="datetimeFigureOut">
               <a:rPr lang="en-US" smtClean="0"/>
-              <a:t>8/15/2018</a:t>
+              <a:t>4/28/2019</a:t>
             </a:fld>
             <a:endParaRPr lang="en-US"/>
           </a:p>
@@ -661,7 +671,7 @@
           <a:p>
             <a:fld id="{EED1C14C-A143-42F5-B247-D0E800131009}" type="datetimeFigureOut">
               <a:rPr lang="en-US" smtClean="0"/>
-              <a:t>8/15/2018</a:t>
+              <a:t>4/28/2019</a:t>
             </a:fld>
             <a:endParaRPr lang="en-US"/>
           </a:p>
@@ -859,7 +869,7 @@
           <a:p>
             <a:fld id="{EED1C14C-A143-42F5-B247-D0E800131009}" type="datetimeFigureOut">
               <a:rPr lang="en-US" smtClean="0"/>
-              <a:t>8/15/2018</a:t>
+              <a:t>4/28/2019</a:t>
             </a:fld>
             <a:endParaRPr lang="en-US"/>
           </a:p>
@@ -1134,7 +1144,7 @@
           <a:p>
             <a:fld id="{EED1C14C-A143-42F5-B247-D0E800131009}" type="datetimeFigureOut">
               <a:rPr lang="en-US" smtClean="0"/>
-              <a:t>8/15/2018</a:t>
+              <a:t>4/28/2019</a:t>
             </a:fld>
             <a:endParaRPr lang="en-US"/>
           </a:p>
@@ -1399,7 +1409,7 @@
           <a:p>
             <a:fld id="{EED1C14C-A143-42F5-B247-D0E800131009}" type="datetimeFigureOut">
               <a:rPr lang="en-US" smtClean="0"/>
-              <a:t>8/15/2018</a:t>
+              <a:t>4/28/2019</a:t>
             </a:fld>
             <a:endParaRPr lang="en-US"/>
           </a:p>
@@ -1811,7 +1821,7 @@
           <a:p>
             <a:fld id="{EED1C14C-A143-42F5-B247-D0E800131009}" type="datetimeFigureOut">
               <a:rPr lang="en-US" smtClean="0"/>
-              <a:t>8/15/2018</a:t>
+              <a:t>4/28/2019</a:t>
             </a:fld>
             <a:endParaRPr lang="en-US"/>
           </a:p>
@@ -1952,7 +1962,7 @@
           <a:p>
             <a:fld id="{EED1C14C-A143-42F5-B247-D0E800131009}" type="datetimeFigureOut">
               <a:rPr lang="en-US" smtClean="0"/>
-              <a:t>8/15/2018</a:t>
+              <a:t>4/28/2019</a:t>
             </a:fld>
             <a:endParaRPr lang="en-US"/>
           </a:p>
@@ -2065,7 +2075,7 @@
           <a:p>
             <a:fld id="{EED1C14C-A143-42F5-B247-D0E800131009}" type="datetimeFigureOut">
               <a:rPr lang="en-US" smtClean="0"/>
-              <a:t>8/15/2018</a:t>
+              <a:t>4/28/2019</a:t>
             </a:fld>
             <a:endParaRPr lang="en-US"/>
           </a:p>
@@ -2376,7 +2386,7 @@
           <a:p>
             <a:fld id="{EED1C14C-A143-42F5-B247-D0E800131009}" type="datetimeFigureOut">
               <a:rPr lang="en-US" smtClean="0"/>
-              <a:t>8/15/2018</a:t>
+              <a:t>4/28/2019</a:t>
             </a:fld>
             <a:endParaRPr lang="en-US"/>
           </a:p>
@@ -2664,7 +2674,7 @@
           <a:p>
             <a:fld id="{EED1C14C-A143-42F5-B247-D0E800131009}" type="datetimeFigureOut">
               <a:rPr lang="en-US" smtClean="0"/>
-              <a:t>8/15/2018</a:t>
+              <a:t>4/28/2019</a:t>
             </a:fld>
             <a:endParaRPr lang="en-US"/>
           </a:p>
@@ -2905,7 +2915,7 @@
           <a:p>
             <a:fld id="{EED1C14C-A143-42F5-B247-D0E800131009}" type="datetimeFigureOut">
               <a:rPr lang="en-US" smtClean="0"/>
-              <a:t>8/15/2018</a:t>
+              <a:t>4/28/2019</a:t>
             </a:fld>
             <a:endParaRPr lang="en-US"/>
           </a:p>
@@ -3306,7 +3316,7 @@
 </file>
 
 <file path=ppt/slides/slide1.xml><?xml version="1.0" encoding="utf-8"?>
-<p:sld xmlns:a="http://schemas.openxmlformats.org/drawingml/2006/main" xmlns:p="http://schemas.openxmlformats.org/presentationml/2006/main" xmlns:r="http://schemas.openxmlformats.org/officeDocument/2006/relationships">
+<p:sld xmlns:a="http://schemas.openxmlformats.org/drawingml/2006/main" xmlns:r="http://schemas.openxmlformats.org/officeDocument/2006/relationships" xmlns:p="http://schemas.openxmlformats.org/presentationml/2006/main">
   <p:cSld>
     <p:spTree>
       <p:nvGrpSpPr>
@@ -3324,18 +3334,18 @@
       </p:grpSpPr>
       <p:sp>
         <p:nvSpPr>
-          <p:cNvPr id="0" name="slide1">
-            <a:extLst>
-              <a:ext uri="{FF2B5EF4-FFF2-40B4-BE49-F238E27FC236}">
-                <a16:creationId xmlns:a16="http://schemas.microsoft.com/office/drawing/2014/main" id="{7B101D7D-AD13-49C8-B1A8-87D53F92FDE3}"/>
-              </a:ext>
-            </a:extLst>
-          </p:cNvPr>
-          <p:cNvSpPr>
-            <a:spLocks noGrp="1"/>
-          </p:cNvSpPr>
-          <p:nvPr>
-            <p:ph idx="0" type="ctrTitle"/>
+          <p:cNvPr id="2" name="slide1">
+            <a:extLst>
+              <a:ext uri="{FF2B5EF4-FFF2-40B4-BE49-F238E27FC236}">
+                <a16:creationId xmlns:a16="http://schemas.microsoft.com/office/drawing/2014/main" id="{10A451F9-D8A9-4B2D-87E1-1FC8CD370BA2}"/>
+              </a:ext>
+            </a:extLst>
+          </p:cNvPr>
+          <p:cNvSpPr>
+            <a:spLocks noGrp="1"/>
+          </p:cNvSpPr>
+          <p:nvPr>
+            <p:ph type="ctrTitle"/>
           </p:nvPr>
         </p:nvSpPr>
         <p:spPr/>
@@ -3344,7 +3354,6 @@
           <a:lstStyle/>
           <a:p>
             <a:r>
-              <a:rPr/>
               <a:t>CitiBike Analysis</a:t>
             </a:r>
           </a:p>
@@ -3352,18 +3361,18 @@
       </p:sp>
       <p:sp>
         <p:nvSpPr>
-          <p:cNvPr id="1" name="slide1">
-            <a:extLst>
-              <a:ext uri="{FF2B5EF4-FFF2-40B4-BE49-F238E27FC236}">
-                <a16:creationId xmlns:a16="http://schemas.microsoft.com/office/drawing/2014/main" id="{C787C1DF-4DFB-43CB-A9F9-79B979F8C9D8}"/>
-              </a:ext>
-            </a:extLst>
-          </p:cNvPr>
-          <p:cNvSpPr>
-            <a:spLocks noGrp="1"/>
-          </p:cNvSpPr>
-          <p:nvPr>
-            <p:ph idx="1" type="subTitle"/>
+          <p:cNvPr id="3" name="slide1">
+            <a:extLst>
+              <a:ext uri="{FF2B5EF4-FFF2-40B4-BE49-F238E27FC236}">
+                <a16:creationId xmlns:a16="http://schemas.microsoft.com/office/drawing/2014/main" id="{BBAA9010-A34F-495E-BAAE-70248936CC7B}"/>
+              </a:ext>
+            </a:extLst>
+          </p:cNvPr>
+          <p:cNvSpPr>
+            <a:spLocks noGrp="1"/>
+          </p:cNvSpPr>
+          <p:nvPr>
+            <p:ph type="subTitle" idx="1"/>
           </p:nvPr>
         </p:nvSpPr>
         <p:spPr/>
@@ -3372,8 +3381,7 @@
           <a:lstStyle/>
           <a:p>
             <a:r>
-              <a:rPr/>
-              <a:t>File created on: 4/26/2019 8:36:30 PM</a:t>
+              <a:t>File created on: 4/28/2019 6:19:44 PM</a:t>
             </a:r>
           </a:p>
         </p:txBody>
@@ -3392,7 +3400,7 @@
 </file>
 
 <file path=ppt/slides/slide2.xml><?xml version="1.0" encoding="utf-8"?>
-<p:sld xmlns:a="http://schemas.openxmlformats.org/drawingml/2006/main" xmlns:p="http://schemas.openxmlformats.org/presentationml/2006/main" xmlns:r="http://schemas.openxmlformats.org/officeDocument/2006/relationships">
+<p:sld xmlns:a="http://schemas.openxmlformats.org/drawingml/2006/main" xmlns:r="http://schemas.openxmlformats.org/officeDocument/2006/relationships" xmlns:p="http://schemas.openxmlformats.org/presentationml/2006/main">
   <p:cSld>
     <p:spTree>
       <p:nvGrpSpPr>
@@ -3410,10 +3418,10 @@
       </p:grpSpPr>
       <p:pic>
         <p:nvPicPr>
-          <p:cNvPr id="2" name="slide2">
-            <a:extLst>
-              <a:ext uri="{FF2B5EF4-FFF2-40B4-BE49-F238E27FC236}">
-                <a16:creationId xmlns:a16="http://schemas.microsoft.com/office/drawing/2014/main" id="{AEBB5C66-345F-4662-8EFE-A23196D940A5}"/>
+          <p:cNvPr id="3" name="slide3">
+            <a:extLst>
+              <a:ext uri="{FF2B5EF4-FFF2-40B4-BE49-F238E27FC236}">
+                <a16:creationId xmlns:a16="http://schemas.microsoft.com/office/drawing/2014/main" id="{03DBAD4D-D68F-48E8-BCE1-EA7F191F9D5D}"/>
               </a:ext>
             </a:extLst>
           </p:cNvPr>
@@ -3423,7 +3431,7 @@
           <p:nvPr/>
         </p:nvPicPr>
         <p:blipFill>
-          <a:blip r:embed="rId7">
+          <a:blip r:embed="rId2">
             <a:extLst>
               <a:ext uri="{28A0092B-C50C-407E-A947-70E740481C1C}">
                 <a14:useLocalDpi xmlns:a14="http://schemas.microsoft.com/office/drawing/2010/main" val="0"/>
@@ -3436,8 +3444,8 @@
         </p:blipFill>
         <p:spPr>
           <a:xfrm>
-            <a:off x="0" y="354216"/>
-            <a:ext cx="12192000" cy="6149567"/>
+            <a:off x="0" y="261434"/>
+            <a:ext cx="12192000" cy="6335131"/>
           </a:xfrm>
           <a:prstGeom prst="rect">
             <a:avLst/>
@@ -3457,7 +3465,7 @@
 </p:sld>
 </file>
 
-<file path=ppt/slides/slideTemplate.xml><?xml version="1.0" encoding="utf-8"?>
+<file path=ppt/slides/slide3.xml><?xml version="1.0" encoding="utf-8"?>
 <p:sld xmlns:a="http://schemas.openxmlformats.org/drawingml/2006/main" xmlns:r="http://schemas.openxmlformats.org/officeDocument/2006/relationships" xmlns:p="http://schemas.openxmlformats.org/presentationml/2006/main">
   <p:cSld>
     <p:spTree>
@@ -3474,6 +3482,306 @@
           <a:chExt cx="0" cy="0"/>
         </a:xfrm>
       </p:grpSpPr>
+      <p:pic>
+        <p:nvPicPr>
+          <p:cNvPr id="2" name="slide2">
+            <a:extLst>
+              <a:ext uri="{FF2B5EF4-FFF2-40B4-BE49-F238E27FC236}">
+                <a16:creationId xmlns:a16="http://schemas.microsoft.com/office/drawing/2014/main" id="{1C51AF18-CB85-430A-8DFB-7B16C747E2C0}"/>
+              </a:ext>
+            </a:extLst>
+          </p:cNvPr>
+          <p:cNvPicPr>
+            <a:picLocks noChangeAspect="1"/>
+          </p:cNvPicPr>
+          <p:nvPr/>
+        </p:nvPicPr>
+        <p:blipFill>
+          <a:blip r:embed="rId2">
+            <a:extLst>
+              <a:ext uri="{28A0092B-C50C-407E-A947-70E740481C1C}">
+                <a14:useLocalDpi xmlns:a14="http://schemas.microsoft.com/office/drawing/2010/main" val="0"/>
+              </a:ext>
+            </a:extLst>
+          </a:blip>
+          <a:stretch>
+            <a:fillRect/>
+          </a:stretch>
+        </p:blipFill>
+        <p:spPr>
+          <a:xfrm>
+            <a:off x="0" y="261434"/>
+            <a:ext cx="12192000" cy="6335131"/>
+          </a:xfrm>
+          <a:prstGeom prst="rect">
+            <a:avLst/>
+          </a:prstGeom>
+        </p:spPr>
+      </p:pic>
+    </p:spTree>
+    <p:extLst>
+      <p:ext uri="{BB962C8B-B14F-4D97-AF65-F5344CB8AC3E}">
+        <p14:creationId xmlns:p14="http://schemas.microsoft.com/office/powerpoint/2010/main" val="95992585"/>
+      </p:ext>
+    </p:extLst>
+  </p:cSld>
+  <p:clrMapOvr>
+    <a:masterClrMapping/>
+  </p:clrMapOvr>
+</p:sld>
+</file>
+
+<file path=ppt/slides/slide4.xml><?xml version="1.0" encoding="utf-8"?>
+<p:sld xmlns:a="http://schemas.openxmlformats.org/drawingml/2006/main" xmlns:r="http://schemas.openxmlformats.org/officeDocument/2006/relationships" xmlns:p="http://schemas.openxmlformats.org/presentationml/2006/main">
+  <p:cSld>
+    <p:spTree>
+      <p:nvGrpSpPr>
+        <p:cNvPr id="1" name=""/>
+        <p:cNvGrpSpPr/>
+        <p:nvPr/>
+      </p:nvGrpSpPr>
+      <p:grpSpPr>
+        <a:xfrm>
+          <a:off x="0" y="0"/>
+          <a:ext cx="0" cy="0"/>
+          <a:chOff x="0" y="0"/>
+          <a:chExt cx="0" cy="0"/>
+        </a:xfrm>
+      </p:grpSpPr>
+      <p:pic>
+        <p:nvPicPr>
+          <p:cNvPr id="4" name="slide4">
+            <a:extLst>
+              <a:ext uri="{FF2B5EF4-FFF2-40B4-BE49-F238E27FC236}">
+                <a16:creationId xmlns:a16="http://schemas.microsoft.com/office/drawing/2014/main" id="{141A6166-CED0-4D85-9B58-F89BD637BB72}"/>
+              </a:ext>
+            </a:extLst>
+          </p:cNvPr>
+          <p:cNvPicPr>
+            <a:picLocks noChangeAspect="1"/>
+          </p:cNvPicPr>
+          <p:nvPr/>
+        </p:nvPicPr>
+        <p:blipFill>
+          <a:blip r:embed="rId2">
+            <a:extLst>
+              <a:ext uri="{28A0092B-C50C-407E-A947-70E740481C1C}">
+                <a14:useLocalDpi xmlns:a14="http://schemas.microsoft.com/office/drawing/2010/main" val="0"/>
+              </a:ext>
+            </a:extLst>
+          </a:blip>
+          <a:stretch>
+            <a:fillRect/>
+          </a:stretch>
+        </p:blipFill>
+        <p:spPr>
+          <a:xfrm>
+            <a:off x="0" y="261434"/>
+            <a:ext cx="12192000" cy="6335131"/>
+          </a:xfrm>
+          <a:prstGeom prst="rect">
+            <a:avLst/>
+          </a:prstGeom>
+        </p:spPr>
+      </p:pic>
+    </p:spTree>
+    <p:extLst>
+      <p:ext uri="{BB962C8B-B14F-4D97-AF65-F5344CB8AC3E}">
+        <p14:creationId xmlns:p14="http://schemas.microsoft.com/office/powerpoint/2010/main" val="95992585"/>
+      </p:ext>
+    </p:extLst>
+  </p:cSld>
+  <p:clrMapOvr>
+    <a:masterClrMapping/>
+  </p:clrMapOvr>
+</p:sld>
+</file>
+
+<file path=ppt/slides/slide5.xml><?xml version="1.0" encoding="utf-8"?>
+<p:sld xmlns:a="http://schemas.openxmlformats.org/drawingml/2006/main" xmlns:r="http://schemas.openxmlformats.org/officeDocument/2006/relationships" xmlns:p="http://schemas.openxmlformats.org/presentationml/2006/main">
+  <p:cSld>
+    <p:spTree>
+      <p:nvGrpSpPr>
+        <p:cNvPr id="1" name=""/>
+        <p:cNvGrpSpPr/>
+        <p:nvPr/>
+      </p:nvGrpSpPr>
+      <p:grpSpPr>
+        <a:xfrm>
+          <a:off x="0" y="0"/>
+          <a:ext cx="0" cy="0"/>
+          <a:chOff x="0" y="0"/>
+          <a:chExt cx="0" cy="0"/>
+        </a:xfrm>
+      </p:grpSpPr>
+      <p:pic>
+        <p:nvPicPr>
+          <p:cNvPr id="8" name="slide8">
+            <a:extLst>
+              <a:ext uri="{FF2B5EF4-FFF2-40B4-BE49-F238E27FC236}">
+                <a16:creationId xmlns:a16="http://schemas.microsoft.com/office/drawing/2014/main" id="{681B12AC-304E-4C5C-9C1D-DBCCE1AD7296}"/>
+              </a:ext>
+            </a:extLst>
+          </p:cNvPr>
+          <p:cNvPicPr>
+            <a:picLocks noChangeAspect="1"/>
+          </p:cNvPicPr>
+          <p:nvPr/>
+        </p:nvPicPr>
+        <p:blipFill>
+          <a:blip r:embed="rId2">
+            <a:extLst>
+              <a:ext uri="{28A0092B-C50C-407E-A947-70E740481C1C}">
+                <a14:useLocalDpi xmlns:a14="http://schemas.microsoft.com/office/drawing/2010/main" val="0"/>
+              </a:ext>
+            </a:extLst>
+          </a:blip>
+          <a:stretch>
+            <a:fillRect/>
+          </a:stretch>
+        </p:blipFill>
+        <p:spPr>
+          <a:xfrm>
+            <a:off x="0" y="261434"/>
+            <a:ext cx="12192000" cy="6335131"/>
+          </a:xfrm>
+          <a:prstGeom prst="rect">
+            <a:avLst/>
+          </a:prstGeom>
+        </p:spPr>
+      </p:pic>
+    </p:spTree>
+    <p:extLst>
+      <p:ext uri="{BB962C8B-B14F-4D97-AF65-F5344CB8AC3E}">
+        <p14:creationId xmlns:p14="http://schemas.microsoft.com/office/powerpoint/2010/main" val="95992585"/>
+      </p:ext>
+    </p:extLst>
+  </p:cSld>
+  <p:clrMapOvr>
+    <a:masterClrMapping/>
+  </p:clrMapOvr>
+</p:sld>
+</file>
+
+<file path=ppt/slides/slide6.xml><?xml version="1.0" encoding="utf-8"?>
+<p:sld xmlns:a="http://schemas.openxmlformats.org/drawingml/2006/main" xmlns:r="http://schemas.openxmlformats.org/officeDocument/2006/relationships" xmlns:p="http://schemas.openxmlformats.org/presentationml/2006/main">
+  <p:cSld>
+    <p:spTree>
+      <p:nvGrpSpPr>
+        <p:cNvPr id="1" name=""/>
+        <p:cNvGrpSpPr/>
+        <p:nvPr/>
+      </p:nvGrpSpPr>
+      <p:grpSpPr>
+        <a:xfrm>
+          <a:off x="0" y="0"/>
+          <a:ext cx="0" cy="0"/>
+          <a:chOff x="0" y="0"/>
+          <a:chExt cx="0" cy="0"/>
+        </a:xfrm>
+      </p:grpSpPr>
+      <p:pic>
+        <p:nvPicPr>
+          <p:cNvPr id="6" name="slide6">
+            <a:extLst>
+              <a:ext uri="{FF2B5EF4-FFF2-40B4-BE49-F238E27FC236}">
+                <a16:creationId xmlns:a16="http://schemas.microsoft.com/office/drawing/2014/main" id="{1FC4299E-B3BF-49BB-802C-55971FD7616D}"/>
+              </a:ext>
+            </a:extLst>
+          </p:cNvPr>
+          <p:cNvPicPr>
+            <a:picLocks noChangeAspect="1"/>
+          </p:cNvPicPr>
+          <p:nvPr/>
+        </p:nvPicPr>
+        <p:blipFill>
+          <a:blip r:embed="rId2">
+            <a:extLst>
+              <a:ext uri="{28A0092B-C50C-407E-A947-70E740481C1C}">
+                <a14:useLocalDpi xmlns:a14="http://schemas.microsoft.com/office/drawing/2010/main" val="0"/>
+              </a:ext>
+            </a:extLst>
+          </a:blip>
+          <a:stretch>
+            <a:fillRect/>
+          </a:stretch>
+        </p:blipFill>
+        <p:spPr>
+          <a:xfrm>
+            <a:off x="1074673" y="0"/>
+            <a:ext cx="10042653" cy="6858000"/>
+          </a:xfrm>
+          <a:prstGeom prst="rect">
+            <a:avLst/>
+          </a:prstGeom>
+        </p:spPr>
+      </p:pic>
+    </p:spTree>
+    <p:extLst>
+      <p:ext uri="{BB962C8B-B14F-4D97-AF65-F5344CB8AC3E}">
+        <p14:creationId xmlns:p14="http://schemas.microsoft.com/office/powerpoint/2010/main" val="95992585"/>
+      </p:ext>
+    </p:extLst>
+  </p:cSld>
+  <p:clrMapOvr>
+    <a:masterClrMapping/>
+  </p:clrMapOvr>
+</p:sld>
+</file>
+
+<file path=ppt/slides/slide7.xml><?xml version="1.0" encoding="utf-8"?>
+<p:sld xmlns:a="http://schemas.openxmlformats.org/drawingml/2006/main" xmlns:r="http://schemas.openxmlformats.org/officeDocument/2006/relationships" xmlns:p="http://schemas.openxmlformats.org/presentationml/2006/main">
+  <p:cSld>
+    <p:spTree>
+      <p:nvGrpSpPr>
+        <p:cNvPr id="1" name=""/>
+        <p:cNvGrpSpPr/>
+        <p:nvPr/>
+      </p:nvGrpSpPr>
+      <p:grpSpPr>
+        <a:xfrm>
+          <a:off x="0" y="0"/>
+          <a:ext cx="0" cy="0"/>
+          <a:chOff x="0" y="0"/>
+          <a:chExt cx="0" cy="0"/>
+        </a:xfrm>
+      </p:grpSpPr>
+      <p:pic>
+        <p:nvPicPr>
+          <p:cNvPr id="7" name="slide7">
+            <a:extLst>
+              <a:ext uri="{FF2B5EF4-FFF2-40B4-BE49-F238E27FC236}">
+                <a16:creationId xmlns:a16="http://schemas.microsoft.com/office/drawing/2014/main" id="{B4B4883E-C1A1-438C-A8BB-095793C6518F}"/>
+              </a:ext>
+            </a:extLst>
+          </p:cNvPr>
+          <p:cNvPicPr>
+            <a:picLocks noChangeAspect="1"/>
+          </p:cNvPicPr>
+          <p:nvPr/>
+        </p:nvPicPr>
+        <p:blipFill>
+          <a:blip r:embed="rId2">
+            <a:extLst>
+              <a:ext uri="{28A0092B-C50C-407E-A947-70E740481C1C}">
+                <a14:useLocalDpi xmlns:a14="http://schemas.microsoft.com/office/drawing/2010/main" val="0"/>
+              </a:ext>
+            </a:extLst>
+          </a:blip>
+          <a:stretch>
+            <a:fillRect/>
+          </a:stretch>
+        </p:blipFill>
+        <p:spPr>
+          <a:xfrm>
+            <a:off x="258127" y="0"/>
+            <a:ext cx="11675745" cy="6858000"/>
+          </a:xfrm>
+          <a:prstGeom prst="rect">
+            <a:avLst/>
+          </a:prstGeom>
+        </p:spPr>
+      </p:pic>
     </p:spTree>
     <p:extLst>
       <p:ext uri="{BB962C8B-B14F-4D97-AF65-F5344CB8AC3E}">
